--- a/Mini_Project/Review PPT.pptx
+++ b/Mini_Project/Review PPT.pptx
@@ -19988,14 +19988,14 @@
           <p:nvPr>
             <p:extLst>
               <p:ext uri="{D42A27DB-BD31-4B8C-83A1-F6EECF244321}">
-                <p14:modId xmlns:p14="http://schemas.microsoft.com/office/powerpoint/2010/main" val="947306574"/>
+                <p14:modId xmlns:p14="http://schemas.microsoft.com/office/powerpoint/2010/main" val="2645180355"/>
               </p:ext>
             </p:extLst>
           </p:nvPr>
         </p:nvGraphicFramePr>
         <p:xfrm>
           <a:off x="621801" y="1484784"/>
-          <a:ext cx="11017227" cy="4592897"/>
+          <a:ext cx="11017227" cy="4698769"/>
         </p:xfrm>
         <a:graphic>
           <a:graphicData uri="http://schemas.openxmlformats.org/drawingml/2006/table">
@@ -21139,7 +21139,19 @@
                           <a:spcPts val="0"/>
                         </a:spcAft>
                       </a:pPr>
+                      <a:r>
+                        <a:rPr lang="en-US" sz="1400" dirty="0">
+                          <a:solidFill>
+                            <a:schemeClr val="tx2"/>
+                          </a:solidFill>
+                          <a:effectLst/>
+                        </a:rPr>
+                        <a:t>Users Modules</a:t>
+                      </a:r>
                       <a:endParaRPr lang="en-IN" sz="1400" dirty="0">
+                        <a:solidFill>
+                          <a:schemeClr val="tx2"/>
+                        </a:solidFill>
                         <a:effectLst/>
                       </a:endParaRPr>
                     </a:p>
@@ -21160,7 +21172,7 @@
                         </a:spcAft>
                       </a:pPr>
                       <a:r>
-                        <a:rPr lang="en-IN" sz="1400" b="0" u="none" strike="noStrike">
+                        <a:rPr lang="en-IN" sz="1400" b="0" u="none" strike="noStrike" dirty="0">
                           <a:solidFill>
                             <a:srgbClr val="000000"/>
                           </a:solidFill>
@@ -21168,7 +21180,7 @@
                         </a:rPr>
                         <a:t>3/10/2022</a:t>
                       </a:r>
-                      <a:endParaRPr lang="en-IN" sz="1400">
+                      <a:endParaRPr lang="en-IN" sz="1400" dirty="0">
                         <a:effectLst/>
                       </a:endParaRPr>
                     </a:p>
@@ -21514,7 +21526,19 @@
                           <a:spcPts val="0"/>
                         </a:spcAft>
                       </a:pPr>
+                      <a:r>
+                        <a:rPr lang="en-US" sz="1400" dirty="0">
+                          <a:solidFill>
+                            <a:schemeClr val="tx2"/>
+                          </a:solidFill>
+                          <a:effectLst/>
+                        </a:rPr>
+                        <a:t>Order Creations</a:t>
+                      </a:r>
                       <a:endParaRPr lang="en-IN" sz="1400" dirty="0">
+                        <a:solidFill>
+                          <a:schemeClr val="tx2"/>
+                        </a:solidFill>
                         <a:effectLst/>
                       </a:endParaRPr>
                     </a:p>
@@ -22045,7 +22069,19 @@
                           <a:spcPts val="0"/>
                         </a:spcAft>
                       </a:pPr>
+                      <a:r>
+                        <a:rPr lang="en-US" sz="1400" dirty="0">
+                          <a:solidFill>
+                            <a:schemeClr val="tx2"/>
+                          </a:solidFill>
+                          <a:effectLst/>
+                        </a:rPr>
+                        <a:t>Delivery</a:t>
+                      </a:r>
                       <a:endParaRPr lang="en-IN" sz="1400" dirty="0">
+                        <a:solidFill>
+                          <a:schemeClr val="tx2"/>
+                        </a:solidFill>
                         <a:effectLst/>
                       </a:endParaRPr>
                     </a:p>
@@ -22421,7 +22457,7 @@
                         </a:spcAft>
                       </a:pPr>
                       <a:r>
-                        <a:rPr lang="en-IN" sz="1400" b="0" u="none" strike="noStrike">
+                        <a:rPr lang="en-IN" sz="1400" b="0" u="none" strike="noStrike" dirty="0">
                           <a:solidFill>
                             <a:srgbClr val="000000"/>
                           </a:solidFill>
@@ -22429,7 +22465,7 @@
                         </a:rPr>
                         <a:t>Testing</a:t>
                       </a:r>
-                      <a:endParaRPr lang="en-IN" sz="1400">
+                      <a:endParaRPr lang="en-IN" sz="1400" dirty="0">
                         <a:effectLst/>
                       </a:endParaRPr>
                     </a:p>
@@ -27887,15 +27923,6 @@
 </file>
 
 <file path=customXml/item1.xml><?xml version="1.0" encoding="utf-8"?>
-<?mso-contentType ?>
-<FormTemplates xmlns="http://schemas.microsoft.com/sharepoint/v3/contenttype/forms">
-  <Display>DocumentLibraryForm</Display>
-  <Edit>AssetEditForm</Edit>
-  <New>DocumentLibraryForm</New>
-</FormTemplates>
-</file>
-
-<file path=customXml/item2.xml><?xml version="1.0" encoding="utf-8"?>
 <p:properties xmlns:p="http://schemas.microsoft.com/office/2006/metadata/properties" xmlns:xsi="http://www.w3.org/2001/XMLSchema-instance" xmlns:pc="http://schemas.microsoft.com/office/infopath/2007/PartnerControls">
   <documentManagement>
     <DirectSourceMarket xmlns="4873beb7-5857-4685-be1f-d57550cc96cc" xsi:nil="true"/>
@@ -28019,6 +28046,15 @@
     <LocMarketGroupTiers2 xmlns="4873beb7-5857-4685-be1f-d57550cc96cc" xsi:nil="true"/>
   </documentManagement>
 </p:properties>
+</file>
+
+<file path=customXml/item2.xml><?xml version="1.0" encoding="utf-8"?>
+<?mso-contentType ?>
+<FormTemplates xmlns="http://schemas.microsoft.com/sharepoint/v3/contenttype/forms">
+  <Display>DocumentLibraryForm</Display>
+  <Edit>AssetEditForm</Edit>
+  <New>DocumentLibraryForm</New>
+</FormTemplates>
 </file>
 
 <file path=customXml/item3.xml><?xml version="1.0" encoding="utf-8"?>
@@ -29062,14 +29098,6 @@
 </file>
 
 <file path=customXml/itemProps1.xml><?xml version="1.0" encoding="utf-8"?>
-<ds:datastoreItem xmlns:ds="http://schemas.openxmlformats.org/officeDocument/2006/customXml" ds:itemID="{8D003AC8-209A-4321-A17C-1B7A20643390}">
-  <ds:schemaRefs>
-    <ds:schemaRef ds:uri="http://schemas.microsoft.com/sharepoint/v3/contenttype/forms"/>
-  </ds:schemaRefs>
-</ds:datastoreItem>
-</file>
-
-<file path=customXml/itemProps2.xml><?xml version="1.0" encoding="utf-8"?>
 <ds:datastoreItem xmlns:ds="http://schemas.openxmlformats.org/officeDocument/2006/customXml" ds:itemID="{4ED80E12-3BE9-4746-820E-FFB249F467F2}">
   <ds:schemaRefs>
     <ds:schemaRef ds:uri="http://schemas.microsoft.com/office/2006/documentManagement/types"/>
@@ -29081,6 +29109,14 @@
     <ds:schemaRef ds:uri="http://schemas.microsoft.com/office/infopath/2007/PartnerControls"/>
     <ds:schemaRef ds:uri="http://www.w3.org/XML/1998/namespace"/>
     <ds:schemaRef ds:uri="http://purl.org/dc/dcmitype/"/>
+  </ds:schemaRefs>
+</ds:datastoreItem>
+</file>
+
+<file path=customXml/itemProps2.xml><?xml version="1.0" encoding="utf-8"?>
+<ds:datastoreItem xmlns:ds="http://schemas.openxmlformats.org/officeDocument/2006/customXml" ds:itemID="{8D003AC8-209A-4321-A17C-1B7A20643390}">
+  <ds:schemaRefs>
+    <ds:schemaRef ds:uri="http://schemas.microsoft.com/sharepoint/v3/contenttype/forms"/>
   </ds:schemaRefs>
 </ds:datastoreItem>
 </file>
